--- a/SICUREZZA INFORMATICA E INTERNET/MATERIALE CORSO/20_tls_intro.pptx
+++ b/SICUREZZA INFORMATICA E INTERNET/MATERIALE CORSO/20_tls_intro.pptx
@@ -12018,7 +12018,7 @@
         </p:spPr>
         <p:txBody>
           <a:bodyPr>
-            <a:normAutofit lnSpcReduction="10000"/>
+            <a:normAutofit/>
           </a:bodyPr>
           <a:lstStyle/>
           <a:p>
@@ -12028,10 +12028,20 @@
               </a:lnSpc>
             </a:pPr>
             <a:r>
-              <a:rPr lang="it-IT" altLang="it-IT" sz="2400">
-                <a:sym typeface="Wingdings" charset="2"/>
-              </a:rPr>
-              <a:t>Negotiation may decide not to use MAC</a:t>
+              <a:rPr lang="it-IT" altLang="it-IT" sz="2400" dirty="0" err="1"/>
+              <a:t>Sequence</a:t>
+            </a:r>
+            <a:r>
+              <a:rPr lang="it-IT" altLang="it-IT" sz="2400" dirty="0"/>
+              <a:t> </a:t>
+            </a:r>
+            <a:r>
+              <a:rPr lang="it-IT" altLang="it-IT" sz="2400" dirty="0" err="1"/>
+              <a:t>number</a:t>
+            </a:r>
+            <a:r>
+              <a:rPr lang="it-IT" altLang="it-IT" sz="2400" dirty="0"/>
+              <a:t>:</a:t>
             </a:r>
           </a:p>
           <a:p>
@@ -12041,32 +12051,32 @@
               </a:lnSpc>
             </a:pPr>
             <a:r>
-              <a:rPr lang="it-IT" altLang="it-IT" sz="2400">
-                <a:sym typeface="Wingdings" charset="2"/>
-              </a:rPr>
-              <a:t>In practice, always present</a:t>
-            </a:r>
-          </a:p>
-          <a:p>
-            <a:pPr eaLnBrk="1" hangingPunct="1">
-              <a:lnSpc>
-                <a:spcPct val="80000"/>
-              </a:lnSpc>
-            </a:pPr>
-            <a:r>
-              <a:rPr lang="it-IT" altLang="it-IT" sz="2400"/>
-              <a:t>Sequence number:</a:t>
-            </a:r>
-          </a:p>
-          <a:p>
-            <a:pPr lvl="1" eaLnBrk="1" hangingPunct="1">
-              <a:lnSpc>
-                <a:spcPct val="80000"/>
-              </a:lnSpc>
-            </a:pPr>
-            <a:r>
-              <a:rPr lang="it-IT" altLang="it-IT" sz="2400"/>
-              <a:t>Not transmitted but included in the MAC </a:t>
+              <a:rPr lang="it-IT" altLang="it-IT" sz="2400" dirty="0"/>
+              <a:t>Not </a:t>
+            </a:r>
+            <a:r>
+              <a:rPr lang="it-IT" altLang="it-IT" sz="2400" dirty="0" err="1"/>
+              <a:t>transmitted</a:t>
+            </a:r>
+            <a:r>
+              <a:rPr lang="it-IT" altLang="it-IT" sz="2400" dirty="0"/>
+              <a:t> </a:t>
+            </a:r>
+            <a:r>
+              <a:rPr lang="it-IT" altLang="it-IT" sz="2400" dirty="0" err="1"/>
+              <a:t>but</a:t>
+            </a:r>
+            <a:r>
+              <a:rPr lang="it-IT" altLang="it-IT" sz="2400" dirty="0"/>
+              <a:t> </a:t>
+            </a:r>
+            <a:r>
+              <a:rPr lang="it-IT" altLang="it-IT" sz="2400" dirty="0" err="1"/>
+              <a:t>included</a:t>
+            </a:r>
+            <a:r>
+              <a:rPr lang="it-IT" altLang="it-IT" sz="2400" dirty="0"/>
+              <a:t> in the MAC </a:t>
             </a:r>
           </a:p>
           <a:p>
@@ -12076,10 +12086,34 @@
               </a:lnSpc>
             </a:pPr>
             <a:r>
-              <a:rPr lang="it-IT" altLang="it-IT" sz="2000">
+              <a:rPr lang="it-IT" altLang="it-IT" sz="2000" dirty="0">
                 <a:latin typeface="Times New Roman" charset="0"/>
               </a:rPr>
-              <a:t>to detect missing/extra data </a:t>
+              <a:t>to </a:t>
+            </a:r>
+            <a:r>
+              <a:rPr lang="it-IT" altLang="it-IT" sz="2000" dirty="0" err="1">
+                <a:latin typeface="Times New Roman" charset="0"/>
+              </a:rPr>
+              <a:t>detect</a:t>
+            </a:r>
+            <a:r>
+              <a:rPr lang="it-IT" altLang="it-IT" sz="2000" dirty="0">
+                <a:latin typeface="Times New Roman" charset="0"/>
+              </a:rPr>
+              <a:t> </a:t>
+            </a:r>
+            <a:r>
+              <a:rPr lang="it-IT" altLang="it-IT" sz="2000" dirty="0" err="1">
+                <a:latin typeface="Times New Roman" charset="0"/>
+              </a:rPr>
+              <a:t>missing</a:t>
+            </a:r>
+            <a:r>
+              <a:rPr lang="it-IT" altLang="it-IT" sz="2000" dirty="0">
+                <a:latin typeface="Times New Roman" charset="0"/>
+              </a:rPr>
+              <a:t>/extra data </a:t>
             </a:r>
           </a:p>
           <a:p>
@@ -12089,11 +12123,44 @@
               </a:lnSpc>
             </a:pPr>
             <a:r>
-              <a:rPr lang="it-IT" altLang="it-IT" sz="2000">
+              <a:rPr lang="it-IT" altLang="it-IT" sz="2000" dirty="0">
                 <a:latin typeface="Times New Roman" charset="0"/>
               </a:rPr>
-              <a:t>and to prevent replay/reordering attacks</a:t>
-            </a:r>
+              <a:t>and to </a:t>
+            </a:r>
+            <a:r>
+              <a:rPr lang="it-IT" altLang="it-IT" sz="2000" dirty="0" err="1">
+                <a:latin typeface="Times New Roman" charset="0"/>
+              </a:rPr>
+              <a:t>prevent</a:t>
+            </a:r>
+            <a:r>
+              <a:rPr lang="it-IT" altLang="it-IT" sz="2000" dirty="0">
+                <a:latin typeface="Times New Roman" charset="0"/>
+              </a:rPr>
+              <a:t> replay/</a:t>
+            </a:r>
+            <a:r>
+              <a:rPr lang="it-IT" altLang="it-IT" sz="2000" dirty="0" err="1">
+                <a:latin typeface="Times New Roman" charset="0"/>
+              </a:rPr>
+              <a:t>reordering</a:t>
+            </a:r>
+            <a:r>
+              <a:rPr lang="it-IT" altLang="it-IT" sz="2000" dirty="0">
+                <a:latin typeface="Times New Roman" charset="0"/>
+              </a:rPr>
+              <a:t> </a:t>
+            </a:r>
+            <a:r>
+              <a:rPr lang="it-IT" altLang="it-IT" sz="2000" dirty="0" err="1">
+                <a:latin typeface="Times New Roman" charset="0"/>
+              </a:rPr>
+              <a:t>attacks</a:t>
+            </a:r>
+            <a:endParaRPr lang="it-IT" altLang="it-IT" sz="2000" dirty="0">
+              <a:latin typeface="Times New Roman" charset="0"/>
+            </a:endParaRPr>
           </a:p>
         </p:txBody>
       </p:sp>
@@ -39530,9 +39597,9 @@
 </file>
 
 <file path=customXml/item1.xml><?xml version="1.0" encoding="utf-8"?>
-<ct:contentTypeSchema xmlns:ct="http://schemas.microsoft.com/office/2006/metadata/contentType" xmlns:ma="http://schemas.microsoft.com/office/2006/metadata/properties/metaAttributes" ct:_="" ma:_="" ma:contentTypeName="Documento" ma:contentTypeID="0x010100F2781951D3CFA64AA3493CD3E6442C76" ma:contentTypeVersion="4" ma:contentTypeDescription="Creare un nuovo documento." ma:contentTypeScope="" ma:versionID="a36c6b2f7fcd373cb8b64cdfd812e698">
-  <xsd:schema xmlns:xsd="http://www.w3.org/2001/XMLSchema" xmlns:xs="http://www.w3.org/2001/XMLSchema" xmlns:p="http://schemas.microsoft.com/office/2006/metadata/properties" xmlns:ns2="aae43852-53e9-4813-a3db-c50f0e7934bf" targetNamespace="http://schemas.microsoft.com/office/2006/metadata/properties" ma:root="true" ma:fieldsID="b16886be2dba503720a39a8063f8acf3" ns2:_="">
-    <xsd:import namespace="aae43852-53e9-4813-a3db-c50f0e7934bf"/>
+<ct:contentTypeSchema xmlns:ct="http://schemas.microsoft.com/office/2006/metadata/contentType" xmlns:ma="http://schemas.microsoft.com/office/2006/metadata/properties/metaAttributes" ct:_="" ma:_="" ma:contentTypeName="Documento" ma:contentTypeID="0x010100E3E8458D254D7543B8EE0336155E759B" ma:contentTypeVersion="6" ma:contentTypeDescription="Creare un nuovo documento." ma:contentTypeScope="" ma:versionID="e2e49e49a64067dddf0e6e717b5acb75">
+  <xsd:schema xmlns:xsd="http://www.w3.org/2001/XMLSchema" xmlns:xs="http://www.w3.org/2001/XMLSchema" xmlns:p="http://schemas.microsoft.com/office/2006/metadata/properties" xmlns:ns2="2154ac9b-a8e0-4f77-b94d-78f05534efde" targetNamespace="http://schemas.microsoft.com/office/2006/metadata/properties" ma:root="true" ma:fieldsID="90f2ad5abd88b031f011f513786a11c1" ns2:_="">
+    <xsd:import namespace="2154ac9b-a8e0-4f77-b94d-78f05534efde"/>
     <xsd:element name="properties">
       <xsd:complexType>
         <xsd:sequence>
@@ -39543,6 +39610,8 @@
                 <xsd:element ref="ns2:MediaServiceFastMetadata" minOccurs="0"/>
                 <xsd:element ref="ns2:MediaServiceSearchProperties" minOccurs="0"/>
                 <xsd:element ref="ns2:MediaServiceObjectDetectorVersions" minOccurs="0"/>
+                <xsd:element ref="ns2:MediaServiceGenerationTime" minOccurs="0"/>
+                <xsd:element ref="ns2:MediaServiceEventHashCode" minOccurs="0"/>
               </xsd:all>
             </xsd:complexType>
           </xsd:element>
@@ -39550,7 +39619,7 @@
       </xsd:complexType>
     </xsd:element>
   </xsd:schema>
-  <xsd:schema xmlns:xsd="http://www.w3.org/2001/XMLSchema" xmlns:xs="http://www.w3.org/2001/XMLSchema" xmlns:dms="http://schemas.microsoft.com/office/2006/documentManagement/types" xmlns:pc="http://schemas.microsoft.com/office/infopath/2007/PartnerControls" targetNamespace="aae43852-53e9-4813-a3db-c50f0e7934bf" elementFormDefault="qualified">
+  <xsd:schema xmlns:xsd="http://www.w3.org/2001/XMLSchema" xmlns:xs="http://www.w3.org/2001/XMLSchema" xmlns:dms="http://schemas.microsoft.com/office/2006/documentManagement/types" xmlns:pc="http://schemas.microsoft.com/office/infopath/2007/PartnerControls" targetNamespace="2154ac9b-a8e0-4f77-b94d-78f05534efde" elementFormDefault="qualified">
     <xsd:import namespace="http://schemas.microsoft.com/office/2006/documentManagement/types"/>
     <xsd:import namespace="http://schemas.microsoft.com/office/infopath/2007/PartnerControls"/>
     <xsd:element name="MediaServiceMetadata" ma:index="8" nillable="true" ma:displayName="MediaServiceMetadata" ma:hidden="true" ma:internalName="MediaServiceMetadata" ma:readOnly="true">
@@ -39569,6 +39638,16 @@
       </xsd:simpleType>
     </xsd:element>
     <xsd:element name="MediaServiceObjectDetectorVersions" ma:index="11" nillable="true" ma:displayName="MediaServiceObjectDetectorVersions" ma:hidden="true" ma:indexed="true" ma:internalName="MediaServiceObjectDetectorVersions" ma:readOnly="true">
+      <xsd:simpleType>
+        <xsd:restriction base="dms:Text"/>
+      </xsd:simpleType>
+    </xsd:element>
+    <xsd:element name="MediaServiceGenerationTime" ma:index="12" nillable="true" ma:displayName="MediaServiceGenerationTime" ma:hidden="true" ma:internalName="MediaServiceGenerationTime" ma:readOnly="true">
+      <xsd:simpleType>
+        <xsd:restriction base="dms:Text"/>
+      </xsd:simpleType>
+    </xsd:element>
+    <xsd:element name="MediaServiceEventHashCode" ma:index="13" nillable="true" ma:displayName="MediaServiceEventHashCode" ma:hidden="true" ma:internalName="MediaServiceEventHashCode" ma:readOnly="true">
       <xsd:simpleType>
         <xsd:restriction base="dms:Text"/>
       </xsd:simpleType>
@@ -39689,13 +39768,13 @@
 </file>
 
 <file path=customXml/itemProps1.xml><?xml version="1.0" encoding="utf-8"?>
-<ds:datastoreItem xmlns:ds="http://schemas.openxmlformats.org/officeDocument/2006/customXml" ds:itemID="{82A1D5CC-2115-4E4C-8ABD-8B8D6D1297BC}"/>
+<ds:datastoreItem xmlns:ds="http://schemas.openxmlformats.org/officeDocument/2006/customXml" ds:itemID="{7038E59C-F148-43FB-A939-835032620C02}"/>
 </file>
 
 <file path=customXml/itemProps2.xml><?xml version="1.0" encoding="utf-8"?>
-<ds:datastoreItem xmlns:ds="http://schemas.openxmlformats.org/officeDocument/2006/customXml" ds:itemID="{F68F36BC-2CAF-408F-8AC3-ABE839C9CB99}"/>
+<ds:datastoreItem xmlns:ds="http://schemas.openxmlformats.org/officeDocument/2006/customXml" ds:itemID="{418A9A0B-3887-4C93-83C1-80B6A68CB46B}"/>
 </file>
 
 <file path=customXml/itemProps3.xml><?xml version="1.0" encoding="utf-8"?>
-<ds:datastoreItem xmlns:ds="http://schemas.openxmlformats.org/officeDocument/2006/customXml" ds:itemID="{7801865C-D3BD-4883-AE2F-4E17287CCCDB}"/>
+<ds:datastoreItem xmlns:ds="http://schemas.openxmlformats.org/officeDocument/2006/customXml" ds:itemID="{9275DFF0-35B1-411F-BC9D-F2B7E1CA8145}"/>
 </file>